--- a/Pesquisa e Inovção/proto-persona.pptx
+++ b/Pesquisa e Inovção/proto-persona.pptx
@@ -105,6 +105,11 @@
       </a:defRPr>
     </a:lvl9pPr>
   </p:defaultTextStyle>
+  <p:extLst>
+    <p:ext uri="{EFAFB233-063F-42B5-8137-9DF3F51BA10A}">
+      <p15:sldGuideLst xmlns:p15="http://schemas.microsoft.com/office/powerpoint/2012/main"/>
+    </p:ext>
+  </p:extLst>
 </p:presentation>
 </file>
 
@@ -255,7 +260,7 @@
           <a:p>
             <a:fld id="{16BB0417-733C-42A4-901D-83299B34EE1C}" type="datetimeFigureOut">
               <a:rPr lang="pt-BR" smtClean="0"/>
-              <a:t>27/02/2022</a:t>
+              <a:t>01/03/2022</a:t>
             </a:fld>
             <a:endParaRPr lang="pt-BR"/>
           </a:p>
@@ -453,7 +458,7 @@
           <a:p>
             <a:fld id="{16BB0417-733C-42A4-901D-83299B34EE1C}" type="datetimeFigureOut">
               <a:rPr lang="pt-BR" smtClean="0"/>
-              <a:t>27/02/2022</a:t>
+              <a:t>01/03/2022</a:t>
             </a:fld>
             <a:endParaRPr lang="pt-BR"/>
           </a:p>
@@ -661,7 +666,7 @@
           <a:p>
             <a:fld id="{16BB0417-733C-42A4-901D-83299B34EE1C}" type="datetimeFigureOut">
               <a:rPr lang="pt-BR" smtClean="0"/>
-              <a:t>27/02/2022</a:t>
+              <a:t>01/03/2022</a:t>
             </a:fld>
             <a:endParaRPr lang="pt-BR"/>
           </a:p>
@@ -859,7 +864,7 @@
           <a:p>
             <a:fld id="{16BB0417-733C-42A4-901D-83299B34EE1C}" type="datetimeFigureOut">
               <a:rPr lang="pt-BR" smtClean="0"/>
-              <a:t>27/02/2022</a:t>
+              <a:t>01/03/2022</a:t>
             </a:fld>
             <a:endParaRPr lang="pt-BR"/>
           </a:p>
@@ -1134,7 +1139,7 @@
           <a:p>
             <a:fld id="{16BB0417-733C-42A4-901D-83299B34EE1C}" type="datetimeFigureOut">
               <a:rPr lang="pt-BR" smtClean="0"/>
-              <a:t>27/02/2022</a:t>
+              <a:t>01/03/2022</a:t>
             </a:fld>
             <a:endParaRPr lang="pt-BR"/>
           </a:p>
@@ -1399,7 +1404,7 @@
           <a:p>
             <a:fld id="{16BB0417-733C-42A4-901D-83299B34EE1C}" type="datetimeFigureOut">
               <a:rPr lang="pt-BR" smtClean="0"/>
-              <a:t>27/02/2022</a:t>
+              <a:t>01/03/2022</a:t>
             </a:fld>
             <a:endParaRPr lang="pt-BR"/>
           </a:p>
@@ -1811,7 +1816,7 @@
           <a:p>
             <a:fld id="{16BB0417-733C-42A4-901D-83299B34EE1C}" type="datetimeFigureOut">
               <a:rPr lang="pt-BR" smtClean="0"/>
-              <a:t>27/02/2022</a:t>
+              <a:t>01/03/2022</a:t>
             </a:fld>
             <a:endParaRPr lang="pt-BR"/>
           </a:p>
@@ -1952,7 +1957,7 @@
           <a:p>
             <a:fld id="{16BB0417-733C-42A4-901D-83299B34EE1C}" type="datetimeFigureOut">
               <a:rPr lang="pt-BR" smtClean="0"/>
-              <a:t>27/02/2022</a:t>
+              <a:t>01/03/2022</a:t>
             </a:fld>
             <a:endParaRPr lang="pt-BR"/>
           </a:p>
@@ -2065,7 +2070,7 @@
           <a:p>
             <a:fld id="{16BB0417-733C-42A4-901D-83299B34EE1C}" type="datetimeFigureOut">
               <a:rPr lang="pt-BR" smtClean="0"/>
-              <a:t>27/02/2022</a:t>
+              <a:t>01/03/2022</a:t>
             </a:fld>
             <a:endParaRPr lang="pt-BR"/>
           </a:p>
@@ -2376,7 +2381,7 @@
           <a:p>
             <a:fld id="{16BB0417-733C-42A4-901D-83299B34EE1C}" type="datetimeFigureOut">
               <a:rPr lang="pt-BR" smtClean="0"/>
-              <a:t>27/02/2022</a:t>
+              <a:t>01/03/2022</a:t>
             </a:fld>
             <a:endParaRPr lang="pt-BR"/>
           </a:p>
@@ -2664,7 +2669,7 @@
           <a:p>
             <a:fld id="{16BB0417-733C-42A4-901D-83299B34EE1C}" type="datetimeFigureOut">
               <a:rPr lang="pt-BR" smtClean="0"/>
-              <a:t>27/02/2022</a:t>
+              <a:t>01/03/2022</a:t>
             </a:fld>
             <a:endParaRPr lang="pt-BR"/>
           </a:p>
@@ -2905,7 +2910,7 @@
           <a:p>
             <a:fld id="{16BB0417-733C-42A4-901D-83299B34EE1C}" type="datetimeFigureOut">
               <a:rPr lang="pt-BR" smtClean="0"/>
-              <a:t>27/02/2022</a:t>
+              <a:t>01/03/2022</a:t>
             </a:fld>
             <a:endParaRPr lang="pt-BR"/>
           </a:p>
@@ -3644,7 +3649,7 @@
                 <a:ea typeface="Calibri" panose="020F0502020204030204" pitchFamily="34" charset="0"/>
                 <a:cs typeface="Times New Roman" panose="02020603050405020304" pitchFamily="18" charset="0"/>
               </a:rPr>
-              <a:t>“Sou gerente de uma linha de fastfood e precisa de ajuda para detectar problemas nas maquinas da loja”</a:t>
+              <a:t>“Sou gerente de uma linha de fastfood e preciso de ajuda para detectar problemas nas maquinas da loja”</a:t>
             </a:r>
             <a:endParaRPr lang="pt-BR" sz="1800" dirty="0">
               <a:effectLst/>
@@ -4226,7 +4231,25 @@
                 <a:ea typeface="Calibri" panose="020F0502020204030204" pitchFamily="34" charset="0"/>
                 <a:cs typeface="Times New Roman" panose="02020603050405020304" pitchFamily="18" charset="0"/>
               </a:rPr>
-              <a:t> e gostaria de saber qual maquinas está com problemas com mais agilidade”</a:t>
+              <a:t> e gostaria de saber </a:t>
+            </a:r>
+            <a:r>
+              <a:rPr lang="pt-BR" sz="1800">
+                <a:effectLst/>
+                <a:latin typeface="Arial" panose="020B0604020202020204" pitchFamily="34" charset="0"/>
+                <a:ea typeface="Calibri" panose="020F0502020204030204" pitchFamily="34" charset="0"/>
+                <a:cs typeface="Times New Roman" panose="02020603050405020304" pitchFamily="18" charset="0"/>
+              </a:rPr>
+              <a:t>qual maquina </a:t>
+            </a:r>
+            <a:r>
+              <a:rPr lang="pt-BR" sz="1800" dirty="0">
+                <a:effectLst/>
+                <a:latin typeface="Arial" panose="020B0604020202020204" pitchFamily="34" charset="0"/>
+                <a:ea typeface="Calibri" panose="020F0502020204030204" pitchFamily="34" charset="0"/>
+                <a:cs typeface="Times New Roman" panose="02020603050405020304" pitchFamily="18" charset="0"/>
+              </a:rPr>
+              <a:t>está com problemas com mais agilidade”</a:t>
             </a:r>
             <a:endParaRPr lang="pt-BR" sz="1800" dirty="0">
               <a:effectLst/>

--- a/Pesquisa e Inovção/proto-persona.pptx
+++ b/Pesquisa e Inovção/proto-persona.pptx
@@ -113,6 +113,35 @@
 </p:presentation>
 </file>
 
+<file path=ppt/changesInfos/changesInfo1.xml><?xml version="1.0" encoding="utf-8"?>
+<pc:chgInfo xmlns:a="http://schemas.openxmlformats.org/drawingml/2006/main" xmlns:r="http://schemas.openxmlformats.org/officeDocument/2006/relationships" xmlns:ac="http://schemas.microsoft.com/office/drawing/2013/main/command" xmlns:pc="http://schemas.microsoft.com/office/powerpoint/2013/main/command">
+  <pc:docChgLst>
+    <pc:chgData name="Mariana Domingos Cazzoto" userId="2f6de854-f1e1-46f5-8bce-b174daa024fc" providerId="ADAL" clId="{2C3D0D4A-9782-4FA7-87D5-18E26C7EE522}"/>
+    <pc:docChg chg="modSld">
+      <pc:chgData name="Mariana Domingos Cazzoto" userId="2f6de854-f1e1-46f5-8bce-b174daa024fc" providerId="ADAL" clId="{2C3D0D4A-9782-4FA7-87D5-18E26C7EE522}" dt="2022-03-08T23:13:05.145" v="0" actId="20577"/>
+      <pc:docMkLst>
+        <pc:docMk/>
+      </pc:docMkLst>
+      <pc:sldChg chg="modSp mod">
+        <pc:chgData name="Mariana Domingos Cazzoto" userId="2f6de854-f1e1-46f5-8bce-b174daa024fc" providerId="ADAL" clId="{2C3D0D4A-9782-4FA7-87D5-18E26C7EE522}" dt="2022-03-08T23:13:05.145" v="0" actId="20577"/>
+        <pc:sldMkLst>
+          <pc:docMk/>
+          <pc:sldMk cId="3735232210" sldId="257"/>
+        </pc:sldMkLst>
+        <pc:spChg chg="mod">
+          <ac:chgData name="Mariana Domingos Cazzoto" userId="2f6de854-f1e1-46f5-8bce-b174daa024fc" providerId="ADAL" clId="{2C3D0D4A-9782-4FA7-87D5-18E26C7EE522}" dt="2022-03-08T23:13:05.145" v="0" actId="20577"/>
+          <ac:spMkLst>
+            <pc:docMk/>
+            <pc:sldMk cId="3735232210" sldId="257"/>
+            <ac:spMk id="5" creationId="{14425740-7F6D-4D3D-AF7E-BD6B946211C5}"/>
+          </ac:spMkLst>
+        </pc:spChg>
+      </pc:sldChg>
+    </pc:docChg>
+  </pc:docChgLst>
+</pc:chgInfo>
+</file>
+
 <file path=ppt/slideLayouts/slideLayout1.xml><?xml version="1.0" encoding="utf-8"?>
 <p:sldLayout xmlns:a="http://schemas.openxmlformats.org/drawingml/2006/main" xmlns:r="http://schemas.openxmlformats.org/officeDocument/2006/relationships" xmlns:p="http://schemas.openxmlformats.org/presentationml/2006/main" type="title" preserve="1">
   <p:cSld name="Slide de Título">
@@ -260,7 +289,7 @@
           <a:p>
             <a:fld id="{16BB0417-733C-42A4-901D-83299B34EE1C}" type="datetimeFigureOut">
               <a:rPr lang="pt-BR" smtClean="0"/>
-              <a:t>01/03/2022</a:t>
+              <a:t>08/03/2022</a:t>
             </a:fld>
             <a:endParaRPr lang="pt-BR"/>
           </a:p>
@@ -458,7 +487,7 @@
           <a:p>
             <a:fld id="{16BB0417-733C-42A4-901D-83299B34EE1C}" type="datetimeFigureOut">
               <a:rPr lang="pt-BR" smtClean="0"/>
-              <a:t>01/03/2022</a:t>
+              <a:t>08/03/2022</a:t>
             </a:fld>
             <a:endParaRPr lang="pt-BR"/>
           </a:p>
@@ -666,7 +695,7 @@
           <a:p>
             <a:fld id="{16BB0417-733C-42A4-901D-83299B34EE1C}" type="datetimeFigureOut">
               <a:rPr lang="pt-BR" smtClean="0"/>
-              <a:t>01/03/2022</a:t>
+              <a:t>08/03/2022</a:t>
             </a:fld>
             <a:endParaRPr lang="pt-BR"/>
           </a:p>
@@ -864,7 +893,7 @@
           <a:p>
             <a:fld id="{16BB0417-733C-42A4-901D-83299B34EE1C}" type="datetimeFigureOut">
               <a:rPr lang="pt-BR" smtClean="0"/>
-              <a:t>01/03/2022</a:t>
+              <a:t>08/03/2022</a:t>
             </a:fld>
             <a:endParaRPr lang="pt-BR"/>
           </a:p>
@@ -1139,7 +1168,7 @@
           <a:p>
             <a:fld id="{16BB0417-733C-42A4-901D-83299B34EE1C}" type="datetimeFigureOut">
               <a:rPr lang="pt-BR" smtClean="0"/>
-              <a:t>01/03/2022</a:t>
+              <a:t>08/03/2022</a:t>
             </a:fld>
             <a:endParaRPr lang="pt-BR"/>
           </a:p>
@@ -1404,7 +1433,7 @@
           <a:p>
             <a:fld id="{16BB0417-733C-42A4-901D-83299B34EE1C}" type="datetimeFigureOut">
               <a:rPr lang="pt-BR" smtClean="0"/>
-              <a:t>01/03/2022</a:t>
+              <a:t>08/03/2022</a:t>
             </a:fld>
             <a:endParaRPr lang="pt-BR"/>
           </a:p>
@@ -1816,7 +1845,7 @@
           <a:p>
             <a:fld id="{16BB0417-733C-42A4-901D-83299B34EE1C}" type="datetimeFigureOut">
               <a:rPr lang="pt-BR" smtClean="0"/>
-              <a:t>01/03/2022</a:t>
+              <a:t>08/03/2022</a:t>
             </a:fld>
             <a:endParaRPr lang="pt-BR"/>
           </a:p>
@@ -1957,7 +1986,7 @@
           <a:p>
             <a:fld id="{16BB0417-733C-42A4-901D-83299B34EE1C}" type="datetimeFigureOut">
               <a:rPr lang="pt-BR" smtClean="0"/>
-              <a:t>01/03/2022</a:t>
+              <a:t>08/03/2022</a:t>
             </a:fld>
             <a:endParaRPr lang="pt-BR"/>
           </a:p>
@@ -2070,7 +2099,7 @@
           <a:p>
             <a:fld id="{16BB0417-733C-42A4-901D-83299B34EE1C}" type="datetimeFigureOut">
               <a:rPr lang="pt-BR" smtClean="0"/>
-              <a:t>01/03/2022</a:t>
+              <a:t>08/03/2022</a:t>
             </a:fld>
             <a:endParaRPr lang="pt-BR"/>
           </a:p>
@@ -2381,7 +2410,7 @@
           <a:p>
             <a:fld id="{16BB0417-733C-42A4-901D-83299B34EE1C}" type="datetimeFigureOut">
               <a:rPr lang="pt-BR" smtClean="0"/>
-              <a:t>01/03/2022</a:t>
+              <a:t>08/03/2022</a:t>
             </a:fld>
             <a:endParaRPr lang="pt-BR"/>
           </a:p>
@@ -2669,7 +2698,7 @@
           <a:p>
             <a:fld id="{16BB0417-733C-42A4-901D-83299B34EE1C}" type="datetimeFigureOut">
               <a:rPr lang="pt-BR" smtClean="0"/>
-              <a:t>01/03/2022</a:t>
+              <a:t>08/03/2022</a:t>
             </a:fld>
             <a:endParaRPr lang="pt-BR"/>
           </a:p>
@@ -2910,7 +2939,7 @@
           <a:p>
             <a:fld id="{16BB0417-733C-42A4-901D-83299B34EE1C}" type="datetimeFigureOut">
               <a:rPr lang="pt-BR" smtClean="0"/>
-              <a:t>01/03/2022</a:t>
+              <a:t>08/03/2022</a:t>
             </a:fld>
             <a:endParaRPr lang="pt-BR"/>
           </a:p>
@@ -4231,25 +4260,7 @@
                 <a:ea typeface="Calibri" panose="020F0502020204030204" pitchFamily="34" charset="0"/>
                 <a:cs typeface="Times New Roman" panose="02020603050405020304" pitchFamily="18" charset="0"/>
               </a:rPr>
-              <a:t> e gostaria de saber </a:t>
-            </a:r>
-            <a:r>
-              <a:rPr lang="pt-BR" sz="1800">
-                <a:effectLst/>
-                <a:latin typeface="Arial" panose="020B0604020202020204" pitchFamily="34" charset="0"/>
-                <a:ea typeface="Calibri" panose="020F0502020204030204" pitchFamily="34" charset="0"/>
-                <a:cs typeface="Times New Roman" panose="02020603050405020304" pitchFamily="18" charset="0"/>
-              </a:rPr>
-              <a:t>qual maquina </a:t>
-            </a:r>
-            <a:r>
-              <a:rPr lang="pt-BR" sz="1800" dirty="0">
-                <a:effectLst/>
-                <a:latin typeface="Arial" panose="020B0604020202020204" pitchFamily="34" charset="0"/>
-                <a:ea typeface="Calibri" panose="020F0502020204030204" pitchFamily="34" charset="0"/>
-                <a:cs typeface="Times New Roman" panose="02020603050405020304" pitchFamily="18" charset="0"/>
-              </a:rPr>
-              <a:t>está com problemas com mais agilidade”</a:t>
+              <a:t> e gostaria de saber qual maquina está com problemas, com mais agilidade”</a:t>
             </a:r>
             <a:endParaRPr lang="pt-BR" sz="1800" dirty="0">
               <a:effectLst/>
